--- a/ppt 16-9/0959.我心爱主.pptx
+++ b/ppt 16-9/0959.我心爱主.pptx
@@ -5,7 +5,7 @@
     <p:sldMasterId id="2147483648" r:id="rId1"/>
   </p:sldMasterIdLst>
   <p:sldIdLst>
-    <p:sldId id="348" r:id="rId2"/>
+    <p:sldId id="349" r:id="rId2"/>
   </p:sldIdLst>
   <p:sldSz cx="12192000" cy="6858000"/>
   <p:notesSz cx="6858000" cy="9144000"/>
@@ -129,7 +129,7 @@
           <p:cNvPr id="2" name="标题 1">
             <a:extLst>
               <a:ext uri="{FF2B5EF4-FFF2-40B4-BE49-F238E27FC236}">
-                <a16:creationId xmlns:a16="http://schemas.microsoft.com/office/drawing/2014/main" id="{D067B0BD-AF38-0A98-B830-CD2DF3032C0B}"/>
+                <a16:creationId xmlns:a16="http://schemas.microsoft.com/office/drawing/2014/main" id="{18650F79-660E-E67C-7369-C1E1F24EBCA8}"/>
               </a:ext>
             </a:extLst>
           </p:cNvPr>
@@ -166,7 +166,7 @@
           <p:cNvPr id="3" name="副标题 2">
             <a:extLst>
               <a:ext uri="{FF2B5EF4-FFF2-40B4-BE49-F238E27FC236}">
-                <a16:creationId xmlns:a16="http://schemas.microsoft.com/office/drawing/2014/main" id="{40FFEFDB-EC5B-D7AA-72B7-CD128306B751}"/>
+                <a16:creationId xmlns:a16="http://schemas.microsoft.com/office/drawing/2014/main" id="{EA90D98B-8ACF-A2D8-4592-CCD1758EFAE6}"/>
               </a:ext>
             </a:extLst>
           </p:cNvPr>
@@ -236,7 +236,7 @@
           <p:cNvPr id="4" name="日期占位符 3">
             <a:extLst>
               <a:ext uri="{FF2B5EF4-FFF2-40B4-BE49-F238E27FC236}">
-                <a16:creationId xmlns:a16="http://schemas.microsoft.com/office/drawing/2014/main" id="{2977A32D-1F5C-8A13-215C-A205C25B3214}"/>
+                <a16:creationId xmlns:a16="http://schemas.microsoft.com/office/drawing/2014/main" id="{62375CB2-E4B1-7108-E95D-06C2B743210F}"/>
               </a:ext>
             </a:extLst>
           </p:cNvPr>
@@ -252,7 +252,7 @@
           <a:bodyPr/>
           <a:lstStyle/>
           <a:p>
-            <a:fld id="{AF7664CC-63C1-43E9-8EFC-53EF791C5C8A}" type="datetimeFigureOut">
+            <a:fld id="{C16A1280-6D84-4D15-A8C6-AF3570DB38D3}" type="datetimeFigureOut">
               <a:rPr lang="zh-CN" altLang="en-US" smtClean="0"/>
               <a:t>2024/3/10</a:t>
             </a:fld>
@@ -265,7 +265,7 @@
           <p:cNvPr id="5" name="页脚占位符 4">
             <a:extLst>
               <a:ext uri="{FF2B5EF4-FFF2-40B4-BE49-F238E27FC236}">
-                <a16:creationId xmlns:a16="http://schemas.microsoft.com/office/drawing/2014/main" id="{824461D2-C6BB-A676-0704-707E9663827B}"/>
+                <a16:creationId xmlns:a16="http://schemas.microsoft.com/office/drawing/2014/main" id="{AF557F8A-5F23-DC0A-65DA-9461D5C3C34D}"/>
               </a:ext>
             </a:extLst>
           </p:cNvPr>
@@ -290,7 +290,7 @@
           <p:cNvPr id="6" name="灯片编号占位符 5">
             <a:extLst>
               <a:ext uri="{FF2B5EF4-FFF2-40B4-BE49-F238E27FC236}">
-                <a16:creationId xmlns:a16="http://schemas.microsoft.com/office/drawing/2014/main" id="{C5CF79F0-B2B1-D5F1-1845-7E003BF7B403}"/>
+                <a16:creationId xmlns:a16="http://schemas.microsoft.com/office/drawing/2014/main" id="{6CEDA5F1-A302-E359-3029-BF77D2E6239D}"/>
               </a:ext>
             </a:extLst>
           </p:cNvPr>
@@ -306,7 +306,7 @@
           <a:bodyPr/>
           <a:lstStyle/>
           <a:p>
-            <a:fld id="{EABA3F10-50DE-400C-BD5B-29BDFCF34F8D}" type="slidenum">
+            <a:fld id="{B09AA534-48D2-4ECD-9156-C905E6AD95D0}" type="slidenum">
               <a:rPr lang="zh-CN" altLang="en-US" smtClean="0"/>
               <a:t>‹#›</a:t>
             </a:fld>
@@ -317,7 +317,7 @@
     </p:spTree>
     <p:extLst>
       <p:ext uri="{BB962C8B-B14F-4D97-AF65-F5344CB8AC3E}">
-        <p14:creationId xmlns:p14="http://schemas.microsoft.com/office/powerpoint/2010/main" val="1062952432"/>
+        <p14:creationId xmlns:p14="http://schemas.microsoft.com/office/powerpoint/2010/main" val="3057148274"/>
       </p:ext>
     </p:extLst>
   </p:cSld>
@@ -349,7 +349,7 @@
           <p:cNvPr id="2" name="标题 1">
             <a:extLst>
               <a:ext uri="{FF2B5EF4-FFF2-40B4-BE49-F238E27FC236}">
-                <a16:creationId xmlns:a16="http://schemas.microsoft.com/office/drawing/2014/main" id="{CDF4C67A-35DB-E862-CBAD-FB65045598AE}"/>
+                <a16:creationId xmlns:a16="http://schemas.microsoft.com/office/drawing/2014/main" id="{BABB39B2-138C-16C3-B25B-05102CB9FF39}"/>
               </a:ext>
             </a:extLst>
           </p:cNvPr>
@@ -377,7 +377,7 @@
           <p:cNvPr id="3" name="竖排文字占位符 2">
             <a:extLst>
               <a:ext uri="{FF2B5EF4-FFF2-40B4-BE49-F238E27FC236}">
-                <a16:creationId xmlns:a16="http://schemas.microsoft.com/office/drawing/2014/main" id="{D2F442C0-4D76-8F57-289A-88C4E3C4D3FA}"/>
+                <a16:creationId xmlns:a16="http://schemas.microsoft.com/office/drawing/2014/main" id="{2E7D6C77-8C86-8B45-6872-CAC7B34ED514}"/>
               </a:ext>
             </a:extLst>
           </p:cNvPr>
@@ -434,7 +434,7 @@
           <p:cNvPr id="4" name="日期占位符 3">
             <a:extLst>
               <a:ext uri="{FF2B5EF4-FFF2-40B4-BE49-F238E27FC236}">
-                <a16:creationId xmlns:a16="http://schemas.microsoft.com/office/drawing/2014/main" id="{8ED90AF8-3793-12C6-34E7-12B9D3C2A885}"/>
+                <a16:creationId xmlns:a16="http://schemas.microsoft.com/office/drawing/2014/main" id="{86C457E7-9974-F5E5-939D-BFE8D8F41542}"/>
               </a:ext>
             </a:extLst>
           </p:cNvPr>
@@ -450,7 +450,7 @@
           <a:bodyPr/>
           <a:lstStyle/>
           <a:p>
-            <a:fld id="{AF7664CC-63C1-43E9-8EFC-53EF791C5C8A}" type="datetimeFigureOut">
+            <a:fld id="{C16A1280-6D84-4D15-A8C6-AF3570DB38D3}" type="datetimeFigureOut">
               <a:rPr lang="zh-CN" altLang="en-US" smtClean="0"/>
               <a:t>2024/3/10</a:t>
             </a:fld>
@@ -463,7 +463,7 @@
           <p:cNvPr id="5" name="页脚占位符 4">
             <a:extLst>
               <a:ext uri="{FF2B5EF4-FFF2-40B4-BE49-F238E27FC236}">
-                <a16:creationId xmlns:a16="http://schemas.microsoft.com/office/drawing/2014/main" id="{3EDA86E6-DC30-6006-499E-C335D8C7DC82}"/>
+                <a16:creationId xmlns:a16="http://schemas.microsoft.com/office/drawing/2014/main" id="{9ED97A8E-9AE7-572F-3F55-6B9FEB82932F}"/>
               </a:ext>
             </a:extLst>
           </p:cNvPr>
@@ -488,7 +488,7 @@
           <p:cNvPr id="6" name="灯片编号占位符 5">
             <a:extLst>
               <a:ext uri="{FF2B5EF4-FFF2-40B4-BE49-F238E27FC236}">
-                <a16:creationId xmlns:a16="http://schemas.microsoft.com/office/drawing/2014/main" id="{D56C01E6-8C4F-1048-6C3B-A348283BA50F}"/>
+                <a16:creationId xmlns:a16="http://schemas.microsoft.com/office/drawing/2014/main" id="{E0FB2948-44F7-9D56-53F5-BE3B7D416382}"/>
               </a:ext>
             </a:extLst>
           </p:cNvPr>
@@ -504,7 +504,7 @@
           <a:bodyPr/>
           <a:lstStyle/>
           <a:p>
-            <a:fld id="{EABA3F10-50DE-400C-BD5B-29BDFCF34F8D}" type="slidenum">
+            <a:fld id="{B09AA534-48D2-4ECD-9156-C905E6AD95D0}" type="slidenum">
               <a:rPr lang="zh-CN" altLang="en-US" smtClean="0"/>
               <a:t>‹#›</a:t>
             </a:fld>
@@ -515,7 +515,7 @@
     </p:spTree>
     <p:extLst>
       <p:ext uri="{BB962C8B-B14F-4D97-AF65-F5344CB8AC3E}">
-        <p14:creationId xmlns:p14="http://schemas.microsoft.com/office/powerpoint/2010/main" val="2603864862"/>
+        <p14:creationId xmlns:p14="http://schemas.microsoft.com/office/powerpoint/2010/main" val="1434473231"/>
       </p:ext>
     </p:extLst>
   </p:cSld>
@@ -547,7 +547,7 @@
           <p:cNvPr id="2" name="竖排标题 1">
             <a:extLst>
               <a:ext uri="{FF2B5EF4-FFF2-40B4-BE49-F238E27FC236}">
-                <a16:creationId xmlns:a16="http://schemas.microsoft.com/office/drawing/2014/main" id="{D9BA1A05-5665-CC32-A8F0-71B24207F659}"/>
+                <a16:creationId xmlns:a16="http://schemas.microsoft.com/office/drawing/2014/main" id="{95ED352A-44EF-178B-4233-0E32C1B8D4DD}"/>
               </a:ext>
             </a:extLst>
           </p:cNvPr>
@@ -580,7 +580,7 @@
           <p:cNvPr id="3" name="竖排文字占位符 2">
             <a:extLst>
               <a:ext uri="{FF2B5EF4-FFF2-40B4-BE49-F238E27FC236}">
-                <a16:creationId xmlns:a16="http://schemas.microsoft.com/office/drawing/2014/main" id="{23DCA0CC-F316-23E3-62EA-95773AB99F78}"/>
+                <a16:creationId xmlns:a16="http://schemas.microsoft.com/office/drawing/2014/main" id="{7FF47D99-8CD7-B021-8293-377C0341E63E}"/>
               </a:ext>
             </a:extLst>
           </p:cNvPr>
@@ -642,7 +642,7 @@
           <p:cNvPr id="4" name="日期占位符 3">
             <a:extLst>
               <a:ext uri="{FF2B5EF4-FFF2-40B4-BE49-F238E27FC236}">
-                <a16:creationId xmlns:a16="http://schemas.microsoft.com/office/drawing/2014/main" id="{8C1D0E36-2684-6637-6484-A98E6FF9435B}"/>
+                <a16:creationId xmlns:a16="http://schemas.microsoft.com/office/drawing/2014/main" id="{E33DB295-7DD0-2941-B11B-70AAA79C73D3}"/>
               </a:ext>
             </a:extLst>
           </p:cNvPr>
@@ -658,7 +658,7 @@
           <a:bodyPr/>
           <a:lstStyle/>
           <a:p>
-            <a:fld id="{AF7664CC-63C1-43E9-8EFC-53EF791C5C8A}" type="datetimeFigureOut">
+            <a:fld id="{C16A1280-6D84-4D15-A8C6-AF3570DB38D3}" type="datetimeFigureOut">
               <a:rPr lang="zh-CN" altLang="en-US" smtClean="0"/>
               <a:t>2024/3/10</a:t>
             </a:fld>
@@ -671,7 +671,7 @@
           <p:cNvPr id="5" name="页脚占位符 4">
             <a:extLst>
               <a:ext uri="{FF2B5EF4-FFF2-40B4-BE49-F238E27FC236}">
-                <a16:creationId xmlns:a16="http://schemas.microsoft.com/office/drawing/2014/main" id="{0EB443E4-D735-8741-5B7C-278D6DEDA0E0}"/>
+                <a16:creationId xmlns:a16="http://schemas.microsoft.com/office/drawing/2014/main" id="{BF128D61-EAD2-C30A-F453-F33DDF382D18}"/>
               </a:ext>
             </a:extLst>
           </p:cNvPr>
@@ -696,7 +696,7 @@
           <p:cNvPr id="6" name="灯片编号占位符 5">
             <a:extLst>
               <a:ext uri="{FF2B5EF4-FFF2-40B4-BE49-F238E27FC236}">
-                <a16:creationId xmlns:a16="http://schemas.microsoft.com/office/drawing/2014/main" id="{9FBBB679-69F5-7B52-163B-AB87FA4DA5F2}"/>
+                <a16:creationId xmlns:a16="http://schemas.microsoft.com/office/drawing/2014/main" id="{83DC108A-D264-2E41-0A43-C71ABEE90622}"/>
               </a:ext>
             </a:extLst>
           </p:cNvPr>
@@ -712,7 +712,7 @@
           <a:bodyPr/>
           <a:lstStyle/>
           <a:p>
-            <a:fld id="{EABA3F10-50DE-400C-BD5B-29BDFCF34F8D}" type="slidenum">
+            <a:fld id="{B09AA534-48D2-4ECD-9156-C905E6AD95D0}" type="slidenum">
               <a:rPr lang="zh-CN" altLang="en-US" smtClean="0"/>
               <a:t>‹#›</a:t>
             </a:fld>
@@ -723,7 +723,7 @@
     </p:spTree>
     <p:extLst>
       <p:ext uri="{BB962C8B-B14F-4D97-AF65-F5344CB8AC3E}">
-        <p14:creationId xmlns:p14="http://schemas.microsoft.com/office/powerpoint/2010/main" val="2859505675"/>
+        <p14:creationId xmlns:p14="http://schemas.microsoft.com/office/powerpoint/2010/main" val="1434359823"/>
       </p:ext>
     </p:extLst>
   </p:cSld>
@@ -755,7 +755,7 @@
           <p:cNvPr id="2" name="标题 1">
             <a:extLst>
               <a:ext uri="{FF2B5EF4-FFF2-40B4-BE49-F238E27FC236}">
-                <a16:creationId xmlns:a16="http://schemas.microsoft.com/office/drawing/2014/main" id="{CF12ABAE-8D08-9198-AC11-446868E23A61}"/>
+                <a16:creationId xmlns:a16="http://schemas.microsoft.com/office/drawing/2014/main" id="{DB5358F4-75C4-DF00-385D-1D6B9C73DC17}"/>
               </a:ext>
             </a:extLst>
           </p:cNvPr>
@@ -783,7 +783,7 @@
           <p:cNvPr id="3" name="内容占位符 2">
             <a:extLst>
               <a:ext uri="{FF2B5EF4-FFF2-40B4-BE49-F238E27FC236}">
-                <a16:creationId xmlns:a16="http://schemas.microsoft.com/office/drawing/2014/main" id="{70E3C6BE-24BC-31A9-BD2A-FCD12AD9731A}"/>
+                <a16:creationId xmlns:a16="http://schemas.microsoft.com/office/drawing/2014/main" id="{8B32A65D-A905-DBE7-02A0-8550E1B5D782}"/>
               </a:ext>
             </a:extLst>
           </p:cNvPr>
@@ -840,7 +840,7 @@
           <p:cNvPr id="4" name="日期占位符 3">
             <a:extLst>
               <a:ext uri="{FF2B5EF4-FFF2-40B4-BE49-F238E27FC236}">
-                <a16:creationId xmlns:a16="http://schemas.microsoft.com/office/drawing/2014/main" id="{88F943E0-F8B5-8713-6001-66DD4CDBDF30}"/>
+                <a16:creationId xmlns:a16="http://schemas.microsoft.com/office/drawing/2014/main" id="{D0EF1924-9422-E31D-0733-0823FAD506DF}"/>
               </a:ext>
             </a:extLst>
           </p:cNvPr>
@@ -856,7 +856,7 @@
           <a:bodyPr/>
           <a:lstStyle/>
           <a:p>
-            <a:fld id="{AF7664CC-63C1-43E9-8EFC-53EF791C5C8A}" type="datetimeFigureOut">
+            <a:fld id="{C16A1280-6D84-4D15-A8C6-AF3570DB38D3}" type="datetimeFigureOut">
               <a:rPr lang="zh-CN" altLang="en-US" smtClean="0"/>
               <a:t>2024/3/10</a:t>
             </a:fld>
@@ -869,7 +869,7 @@
           <p:cNvPr id="5" name="页脚占位符 4">
             <a:extLst>
               <a:ext uri="{FF2B5EF4-FFF2-40B4-BE49-F238E27FC236}">
-                <a16:creationId xmlns:a16="http://schemas.microsoft.com/office/drawing/2014/main" id="{6E2EE5DD-6CA3-6CAB-21EF-BD4123AB1519}"/>
+                <a16:creationId xmlns:a16="http://schemas.microsoft.com/office/drawing/2014/main" id="{73B6A7E0-07B9-9B65-8A63-474A9095C71A}"/>
               </a:ext>
             </a:extLst>
           </p:cNvPr>
@@ -894,7 +894,7 @@
           <p:cNvPr id="6" name="灯片编号占位符 5">
             <a:extLst>
               <a:ext uri="{FF2B5EF4-FFF2-40B4-BE49-F238E27FC236}">
-                <a16:creationId xmlns:a16="http://schemas.microsoft.com/office/drawing/2014/main" id="{839FA6B2-0BB3-192B-CFA2-A92C4801189C}"/>
+                <a16:creationId xmlns:a16="http://schemas.microsoft.com/office/drawing/2014/main" id="{32493E88-4021-808E-387E-77BC47496A19}"/>
               </a:ext>
             </a:extLst>
           </p:cNvPr>
@@ -910,7 +910,7 @@
           <a:bodyPr/>
           <a:lstStyle/>
           <a:p>
-            <a:fld id="{EABA3F10-50DE-400C-BD5B-29BDFCF34F8D}" type="slidenum">
+            <a:fld id="{B09AA534-48D2-4ECD-9156-C905E6AD95D0}" type="slidenum">
               <a:rPr lang="zh-CN" altLang="en-US" smtClean="0"/>
               <a:t>‹#›</a:t>
             </a:fld>
@@ -921,7 +921,7 @@
     </p:spTree>
     <p:extLst>
       <p:ext uri="{BB962C8B-B14F-4D97-AF65-F5344CB8AC3E}">
-        <p14:creationId xmlns:p14="http://schemas.microsoft.com/office/powerpoint/2010/main" val="3519218757"/>
+        <p14:creationId xmlns:p14="http://schemas.microsoft.com/office/powerpoint/2010/main" val="3959288380"/>
       </p:ext>
     </p:extLst>
   </p:cSld>
@@ -953,7 +953,7 @@
           <p:cNvPr id="2" name="标题 1">
             <a:extLst>
               <a:ext uri="{FF2B5EF4-FFF2-40B4-BE49-F238E27FC236}">
-                <a16:creationId xmlns:a16="http://schemas.microsoft.com/office/drawing/2014/main" id="{AA6A9CB4-BDDB-171E-0FED-9F0CE22D0F86}"/>
+                <a16:creationId xmlns:a16="http://schemas.microsoft.com/office/drawing/2014/main" id="{90650B91-D25B-A6E7-2795-50F148AD7920}"/>
               </a:ext>
             </a:extLst>
           </p:cNvPr>
@@ -990,7 +990,7 @@
           <p:cNvPr id="3" name="文本占位符 2">
             <a:extLst>
               <a:ext uri="{FF2B5EF4-FFF2-40B4-BE49-F238E27FC236}">
-                <a16:creationId xmlns:a16="http://schemas.microsoft.com/office/drawing/2014/main" id="{5A5248EF-510E-7553-A3BB-860154769FF5}"/>
+                <a16:creationId xmlns:a16="http://schemas.microsoft.com/office/drawing/2014/main" id="{8A8DEEDA-5CA6-21D1-98EA-832E26165DC2}"/>
               </a:ext>
             </a:extLst>
           </p:cNvPr>
@@ -1115,7 +1115,7 @@
           <p:cNvPr id="4" name="日期占位符 3">
             <a:extLst>
               <a:ext uri="{FF2B5EF4-FFF2-40B4-BE49-F238E27FC236}">
-                <a16:creationId xmlns:a16="http://schemas.microsoft.com/office/drawing/2014/main" id="{619B43B6-13C4-62B0-8403-4F4940615331}"/>
+                <a16:creationId xmlns:a16="http://schemas.microsoft.com/office/drawing/2014/main" id="{E3A12481-7BA0-3037-2ABC-83B06A85464C}"/>
               </a:ext>
             </a:extLst>
           </p:cNvPr>
@@ -1131,7 +1131,7 @@
           <a:bodyPr/>
           <a:lstStyle/>
           <a:p>
-            <a:fld id="{AF7664CC-63C1-43E9-8EFC-53EF791C5C8A}" type="datetimeFigureOut">
+            <a:fld id="{C16A1280-6D84-4D15-A8C6-AF3570DB38D3}" type="datetimeFigureOut">
               <a:rPr lang="zh-CN" altLang="en-US" smtClean="0"/>
               <a:t>2024/3/10</a:t>
             </a:fld>
@@ -1144,7 +1144,7 @@
           <p:cNvPr id="5" name="页脚占位符 4">
             <a:extLst>
               <a:ext uri="{FF2B5EF4-FFF2-40B4-BE49-F238E27FC236}">
-                <a16:creationId xmlns:a16="http://schemas.microsoft.com/office/drawing/2014/main" id="{302ADCAC-D14B-621E-D5B4-ECA7A61427A7}"/>
+                <a16:creationId xmlns:a16="http://schemas.microsoft.com/office/drawing/2014/main" id="{B5A0E490-7EE7-7432-E8AC-B22F246C7F6B}"/>
               </a:ext>
             </a:extLst>
           </p:cNvPr>
@@ -1169,7 +1169,7 @@
           <p:cNvPr id="6" name="灯片编号占位符 5">
             <a:extLst>
               <a:ext uri="{FF2B5EF4-FFF2-40B4-BE49-F238E27FC236}">
-                <a16:creationId xmlns:a16="http://schemas.microsoft.com/office/drawing/2014/main" id="{16DD11E9-16C0-9D72-93CD-22F32984DCAD}"/>
+                <a16:creationId xmlns:a16="http://schemas.microsoft.com/office/drawing/2014/main" id="{D783AA33-946F-DEFD-F9C3-676987A1CCA3}"/>
               </a:ext>
             </a:extLst>
           </p:cNvPr>
@@ -1185,7 +1185,7 @@
           <a:bodyPr/>
           <a:lstStyle/>
           <a:p>
-            <a:fld id="{EABA3F10-50DE-400C-BD5B-29BDFCF34F8D}" type="slidenum">
+            <a:fld id="{B09AA534-48D2-4ECD-9156-C905E6AD95D0}" type="slidenum">
               <a:rPr lang="zh-CN" altLang="en-US" smtClean="0"/>
               <a:t>‹#›</a:t>
             </a:fld>
@@ -1196,7 +1196,7 @@
     </p:spTree>
     <p:extLst>
       <p:ext uri="{BB962C8B-B14F-4D97-AF65-F5344CB8AC3E}">
-        <p14:creationId xmlns:p14="http://schemas.microsoft.com/office/powerpoint/2010/main" val="589372577"/>
+        <p14:creationId xmlns:p14="http://schemas.microsoft.com/office/powerpoint/2010/main" val="1180214038"/>
       </p:ext>
     </p:extLst>
   </p:cSld>
@@ -1228,7 +1228,7 @@
           <p:cNvPr id="2" name="标题 1">
             <a:extLst>
               <a:ext uri="{FF2B5EF4-FFF2-40B4-BE49-F238E27FC236}">
-                <a16:creationId xmlns:a16="http://schemas.microsoft.com/office/drawing/2014/main" id="{FF8FB4CF-24CC-B117-9D88-244878473307}"/>
+                <a16:creationId xmlns:a16="http://schemas.microsoft.com/office/drawing/2014/main" id="{BED0071B-2DEE-88C7-1D0F-44ADDE40872D}"/>
               </a:ext>
             </a:extLst>
           </p:cNvPr>
@@ -1256,7 +1256,7 @@
           <p:cNvPr id="3" name="内容占位符 2">
             <a:extLst>
               <a:ext uri="{FF2B5EF4-FFF2-40B4-BE49-F238E27FC236}">
-                <a16:creationId xmlns:a16="http://schemas.microsoft.com/office/drawing/2014/main" id="{585134E2-5200-25CA-CD81-780A57193189}"/>
+                <a16:creationId xmlns:a16="http://schemas.microsoft.com/office/drawing/2014/main" id="{AC7EFE8F-3E0F-0F33-91FC-2F5C28824CB3}"/>
               </a:ext>
             </a:extLst>
           </p:cNvPr>
@@ -1318,7 +1318,7 @@
           <p:cNvPr id="4" name="内容占位符 3">
             <a:extLst>
               <a:ext uri="{FF2B5EF4-FFF2-40B4-BE49-F238E27FC236}">
-                <a16:creationId xmlns:a16="http://schemas.microsoft.com/office/drawing/2014/main" id="{99C4B192-6480-B430-EA69-EFA297B9DD67}"/>
+                <a16:creationId xmlns:a16="http://schemas.microsoft.com/office/drawing/2014/main" id="{3B2A2500-0310-788F-1ADA-9F48D7F01F32}"/>
               </a:ext>
             </a:extLst>
           </p:cNvPr>
@@ -1380,7 +1380,7 @@
           <p:cNvPr id="5" name="日期占位符 4">
             <a:extLst>
               <a:ext uri="{FF2B5EF4-FFF2-40B4-BE49-F238E27FC236}">
-                <a16:creationId xmlns:a16="http://schemas.microsoft.com/office/drawing/2014/main" id="{A4928929-F9E9-E61E-32F7-061B1FE0670E}"/>
+                <a16:creationId xmlns:a16="http://schemas.microsoft.com/office/drawing/2014/main" id="{62FC1428-B416-5E86-BBB0-17E81AAA913A}"/>
               </a:ext>
             </a:extLst>
           </p:cNvPr>
@@ -1396,7 +1396,7 @@
           <a:bodyPr/>
           <a:lstStyle/>
           <a:p>
-            <a:fld id="{AF7664CC-63C1-43E9-8EFC-53EF791C5C8A}" type="datetimeFigureOut">
+            <a:fld id="{C16A1280-6D84-4D15-A8C6-AF3570DB38D3}" type="datetimeFigureOut">
               <a:rPr lang="zh-CN" altLang="en-US" smtClean="0"/>
               <a:t>2024/3/10</a:t>
             </a:fld>
@@ -1409,7 +1409,7 @@
           <p:cNvPr id="6" name="页脚占位符 5">
             <a:extLst>
               <a:ext uri="{FF2B5EF4-FFF2-40B4-BE49-F238E27FC236}">
-                <a16:creationId xmlns:a16="http://schemas.microsoft.com/office/drawing/2014/main" id="{89DA726C-0BB9-9D34-0842-14F090865721}"/>
+                <a16:creationId xmlns:a16="http://schemas.microsoft.com/office/drawing/2014/main" id="{5925FD1D-57C3-05A3-271D-C4BA25C6B76E}"/>
               </a:ext>
             </a:extLst>
           </p:cNvPr>
@@ -1434,7 +1434,7 @@
           <p:cNvPr id="7" name="灯片编号占位符 6">
             <a:extLst>
               <a:ext uri="{FF2B5EF4-FFF2-40B4-BE49-F238E27FC236}">
-                <a16:creationId xmlns:a16="http://schemas.microsoft.com/office/drawing/2014/main" id="{09397CAE-7CC2-88A0-DE6A-974F272604DC}"/>
+                <a16:creationId xmlns:a16="http://schemas.microsoft.com/office/drawing/2014/main" id="{B2EF1FC4-BFF8-9CD2-63E4-282A5BF70328}"/>
               </a:ext>
             </a:extLst>
           </p:cNvPr>
@@ -1450,7 +1450,7 @@
           <a:bodyPr/>
           <a:lstStyle/>
           <a:p>
-            <a:fld id="{EABA3F10-50DE-400C-BD5B-29BDFCF34F8D}" type="slidenum">
+            <a:fld id="{B09AA534-48D2-4ECD-9156-C905E6AD95D0}" type="slidenum">
               <a:rPr lang="zh-CN" altLang="en-US" smtClean="0"/>
               <a:t>‹#›</a:t>
             </a:fld>
@@ -1461,7 +1461,7 @@
     </p:spTree>
     <p:extLst>
       <p:ext uri="{BB962C8B-B14F-4D97-AF65-F5344CB8AC3E}">
-        <p14:creationId xmlns:p14="http://schemas.microsoft.com/office/powerpoint/2010/main" val="2374596034"/>
+        <p14:creationId xmlns:p14="http://schemas.microsoft.com/office/powerpoint/2010/main" val="603784868"/>
       </p:ext>
     </p:extLst>
   </p:cSld>
@@ -1493,7 +1493,7 @@
           <p:cNvPr id="2" name="标题 1">
             <a:extLst>
               <a:ext uri="{FF2B5EF4-FFF2-40B4-BE49-F238E27FC236}">
-                <a16:creationId xmlns:a16="http://schemas.microsoft.com/office/drawing/2014/main" id="{7D6F08F7-1D58-4A9C-AE78-30EE71F02865}"/>
+                <a16:creationId xmlns:a16="http://schemas.microsoft.com/office/drawing/2014/main" id="{4D01C420-AD8E-2E72-3ED2-172F6ACBC80E}"/>
               </a:ext>
             </a:extLst>
           </p:cNvPr>
@@ -1526,7 +1526,7 @@
           <p:cNvPr id="3" name="文本占位符 2">
             <a:extLst>
               <a:ext uri="{FF2B5EF4-FFF2-40B4-BE49-F238E27FC236}">
-                <a16:creationId xmlns:a16="http://schemas.microsoft.com/office/drawing/2014/main" id="{BE5E0AE9-08FD-A4C5-0886-5A9DDB1F40F5}"/>
+                <a16:creationId xmlns:a16="http://schemas.microsoft.com/office/drawing/2014/main" id="{DA00FF91-B15D-861D-C54C-46BB0891CA4A}"/>
               </a:ext>
             </a:extLst>
           </p:cNvPr>
@@ -1597,7 +1597,7 @@
           <p:cNvPr id="4" name="内容占位符 3">
             <a:extLst>
               <a:ext uri="{FF2B5EF4-FFF2-40B4-BE49-F238E27FC236}">
-                <a16:creationId xmlns:a16="http://schemas.microsoft.com/office/drawing/2014/main" id="{4CF29F79-DDC3-0AA9-3142-32DF9E827B71}"/>
+                <a16:creationId xmlns:a16="http://schemas.microsoft.com/office/drawing/2014/main" id="{ADA0C2C7-CF7A-B16F-7095-B04968AD7234}"/>
               </a:ext>
             </a:extLst>
           </p:cNvPr>
@@ -1659,7 +1659,7 @@
           <p:cNvPr id="5" name="文本占位符 4">
             <a:extLst>
               <a:ext uri="{FF2B5EF4-FFF2-40B4-BE49-F238E27FC236}">
-                <a16:creationId xmlns:a16="http://schemas.microsoft.com/office/drawing/2014/main" id="{6EC6CE5C-936C-54FF-80B6-C528D3DFECFF}"/>
+                <a16:creationId xmlns:a16="http://schemas.microsoft.com/office/drawing/2014/main" id="{B0D01029-C859-74EB-4E90-CDBFF0D5B8C9}"/>
               </a:ext>
             </a:extLst>
           </p:cNvPr>
@@ -1730,7 +1730,7 @@
           <p:cNvPr id="6" name="内容占位符 5">
             <a:extLst>
               <a:ext uri="{FF2B5EF4-FFF2-40B4-BE49-F238E27FC236}">
-                <a16:creationId xmlns:a16="http://schemas.microsoft.com/office/drawing/2014/main" id="{78438ADB-DFEB-DDFE-467A-185E4B5F9540}"/>
+                <a16:creationId xmlns:a16="http://schemas.microsoft.com/office/drawing/2014/main" id="{77C5B540-D0E1-E907-A2F1-D39D64211C8B}"/>
               </a:ext>
             </a:extLst>
           </p:cNvPr>
@@ -1792,7 +1792,7 @@
           <p:cNvPr id="7" name="日期占位符 6">
             <a:extLst>
               <a:ext uri="{FF2B5EF4-FFF2-40B4-BE49-F238E27FC236}">
-                <a16:creationId xmlns:a16="http://schemas.microsoft.com/office/drawing/2014/main" id="{56B0BA15-F42D-7013-C50A-ED14A9A22F29}"/>
+                <a16:creationId xmlns:a16="http://schemas.microsoft.com/office/drawing/2014/main" id="{A303E1F5-BEB4-4D5B-D4E3-89FC1C632467}"/>
               </a:ext>
             </a:extLst>
           </p:cNvPr>
@@ -1808,7 +1808,7 @@
           <a:bodyPr/>
           <a:lstStyle/>
           <a:p>
-            <a:fld id="{AF7664CC-63C1-43E9-8EFC-53EF791C5C8A}" type="datetimeFigureOut">
+            <a:fld id="{C16A1280-6D84-4D15-A8C6-AF3570DB38D3}" type="datetimeFigureOut">
               <a:rPr lang="zh-CN" altLang="en-US" smtClean="0"/>
               <a:t>2024/3/10</a:t>
             </a:fld>
@@ -1821,7 +1821,7 @@
           <p:cNvPr id="8" name="页脚占位符 7">
             <a:extLst>
               <a:ext uri="{FF2B5EF4-FFF2-40B4-BE49-F238E27FC236}">
-                <a16:creationId xmlns:a16="http://schemas.microsoft.com/office/drawing/2014/main" id="{8007051C-8E16-9F57-C7B8-8FE74AEC5A79}"/>
+                <a16:creationId xmlns:a16="http://schemas.microsoft.com/office/drawing/2014/main" id="{C867AAA0-36D1-B39F-006D-CCEA1B10DDDF}"/>
               </a:ext>
             </a:extLst>
           </p:cNvPr>
@@ -1846,7 +1846,7 @@
           <p:cNvPr id="9" name="灯片编号占位符 8">
             <a:extLst>
               <a:ext uri="{FF2B5EF4-FFF2-40B4-BE49-F238E27FC236}">
-                <a16:creationId xmlns:a16="http://schemas.microsoft.com/office/drawing/2014/main" id="{B96EE20F-9E51-ECF4-C9FB-A3B879DA5201}"/>
+                <a16:creationId xmlns:a16="http://schemas.microsoft.com/office/drawing/2014/main" id="{662BE0F4-D6A5-8627-342D-A90B92CCDAC7}"/>
               </a:ext>
             </a:extLst>
           </p:cNvPr>
@@ -1862,7 +1862,7 @@
           <a:bodyPr/>
           <a:lstStyle/>
           <a:p>
-            <a:fld id="{EABA3F10-50DE-400C-BD5B-29BDFCF34F8D}" type="slidenum">
+            <a:fld id="{B09AA534-48D2-4ECD-9156-C905E6AD95D0}" type="slidenum">
               <a:rPr lang="zh-CN" altLang="en-US" smtClean="0"/>
               <a:t>‹#›</a:t>
             </a:fld>
@@ -1873,7 +1873,7 @@
     </p:spTree>
     <p:extLst>
       <p:ext uri="{BB962C8B-B14F-4D97-AF65-F5344CB8AC3E}">
-        <p14:creationId xmlns:p14="http://schemas.microsoft.com/office/powerpoint/2010/main" val="2442689744"/>
+        <p14:creationId xmlns:p14="http://schemas.microsoft.com/office/powerpoint/2010/main" val="2257854547"/>
       </p:ext>
     </p:extLst>
   </p:cSld>
@@ -1905,7 +1905,7 @@
           <p:cNvPr id="2" name="标题 1">
             <a:extLst>
               <a:ext uri="{FF2B5EF4-FFF2-40B4-BE49-F238E27FC236}">
-                <a16:creationId xmlns:a16="http://schemas.microsoft.com/office/drawing/2014/main" id="{7BBD17B4-FCEC-4239-B493-CEA6047C4CB9}"/>
+                <a16:creationId xmlns:a16="http://schemas.microsoft.com/office/drawing/2014/main" id="{EB649762-4DE5-EB7E-EC23-8086D1D28D6C}"/>
               </a:ext>
             </a:extLst>
           </p:cNvPr>
@@ -1933,7 +1933,7 @@
           <p:cNvPr id="3" name="日期占位符 2">
             <a:extLst>
               <a:ext uri="{FF2B5EF4-FFF2-40B4-BE49-F238E27FC236}">
-                <a16:creationId xmlns:a16="http://schemas.microsoft.com/office/drawing/2014/main" id="{F70C02E9-EB5A-CD32-D6B6-C5C011347F9F}"/>
+                <a16:creationId xmlns:a16="http://schemas.microsoft.com/office/drawing/2014/main" id="{D773C723-1C6E-D741-8D34-856222CAD39A}"/>
               </a:ext>
             </a:extLst>
           </p:cNvPr>
@@ -1949,7 +1949,7 @@
           <a:bodyPr/>
           <a:lstStyle/>
           <a:p>
-            <a:fld id="{AF7664CC-63C1-43E9-8EFC-53EF791C5C8A}" type="datetimeFigureOut">
+            <a:fld id="{C16A1280-6D84-4D15-A8C6-AF3570DB38D3}" type="datetimeFigureOut">
               <a:rPr lang="zh-CN" altLang="en-US" smtClean="0"/>
               <a:t>2024/3/10</a:t>
             </a:fld>
@@ -1962,7 +1962,7 @@
           <p:cNvPr id="4" name="页脚占位符 3">
             <a:extLst>
               <a:ext uri="{FF2B5EF4-FFF2-40B4-BE49-F238E27FC236}">
-                <a16:creationId xmlns:a16="http://schemas.microsoft.com/office/drawing/2014/main" id="{970363C3-BC4B-0212-FFCD-B1E909D8516D}"/>
+                <a16:creationId xmlns:a16="http://schemas.microsoft.com/office/drawing/2014/main" id="{094E4C8F-09A5-8785-2A8B-11808EDDA578}"/>
               </a:ext>
             </a:extLst>
           </p:cNvPr>
@@ -1987,7 +1987,7 @@
           <p:cNvPr id="5" name="灯片编号占位符 4">
             <a:extLst>
               <a:ext uri="{FF2B5EF4-FFF2-40B4-BE49-F238E27FC236}">
-                <a16:creationId xmlns:a16="http://schemas.microsoft.com/office/drawing/2014/main" id="{AC5F90C0-FD5F-DA16-5DAB-FBABFFBCABE8}"/>
+                <a16:creationId xmlns:a16="http://schemas.microsoft.com/office/drawing/2014/main" id="{F9E93572-D637-9B8A-09D3-118B1F9C9CC2}"/>
               </a:ext>
             </a:extLst>
           </p:cNvPr>
@@ -2003,7 +2003,7 @@
           <a:bodyPr/>
           <a:lstStyle/>
           <a:p>
-            <a:fld id="{EABA3F10-50DE-400C-BD5B-29BDFCF34F8D}" type="slidenum">
+            <a:fld id="{B09AA534-48D2-4ECD-9156-C905E6AD95D0}" type="slidenum">
               <a:rPr lang="zh-CN" altLang="en-US" smtClean="0"/>
               <a:t>‹#›</a:t>
             </a:fld>
@@ -2014,7 +2014,7 @@
     </p:spTree>
     <p:extLst>
       <p:ext uri="{BB962C8B-B14F-4D97-AF65-F5344CB8AC3E}">
-        <p14:creationId xmlns:p14="http://schemas.microsoft.com/office/powerpoint/2010/main" val="2065339625"/>
+        <p14:creationId xmlns:p14="http://schemas.microsoft.com/office/powerpoint/2010/main" val="1320117746"/>
       </p:ext>
     </p:extLst>
   </p:cSld>
@@ -2046,7 +2046,7 @@
           <p:cNvPr id="2" name="日期占位符 1">
             <a:extLst>
               <a:ext uri="{FF2B5EF4-FFF2-40B4-BE49-F238E27FC236}">
-                <a16:creationId xmlns:a16="http://schemas.microsoft.com/office/drawing/2014/main" id="{DC3D7A08-09D1-6541-3220-8B0894C333C3}"/>
+                <a16:creationId xmlns:a16="http://schemas.microsoft.com/office/drawing/2014/main" id="{355CE9E0-327F-63B3-0DE8-20E84FADE4AF}"/>
               </a:ext>
             </a:extLst>
           </p:cNvPr>
@@ -2062,7 +2062,7 @@
           <a:bodyPr/>
           <a:lstStyle/>
           <a:p>
-            <a:fld id="{AF7664CC-63C1-43E9-8EFC-53EF791C5C8A}" type="datetimeFigureOut">
+            <a:fld id="{C16A1280-6D84-4D15-A8C6-AF3570DB38D3}" type="datetimeFigureOut">
               <a:rPr lang="zh-CN" altLang="en-US" smtClean="0"/>
               <a:t>2024/3/10</a:t>
             </a:fld>
@@ -2075,7 +2075,7 @@
           <p:cNvPr id="3" name="页脚占位符 2">
             <a:extLst>
               <a:ext uri="{FF2B5EF4-FFF2-40B4-BE49-F238E27FC236}">
-                <a16:creationId xmlns:a16="http://schemas.microsoft.com/office/drawing/2014/main" id="{3D0E689C-DCC8-E1AE-CD61-667B205F02E6}"/>
+                <a16:creationId xmlns:a16="http://schemas.microsoft.com/office/drawing/2014/main" id="{3E549A81-D53D-B01B-1168-B353C81D4CAF}"/>
               </a:ext>
             </a:extLst>
           </p:cNvPr>
@@ -2100,7 +2100,7 @@
           <p:cNvPr id="4" name="灯片编号占位符 3">
             <a:extLst>
               <a:ext uri="{FF2B5EF4-FFF2-40B4-BE49-F238E27FC236}">
-                <a16:creationId xmlns:a16="http://schemas.microsoft.com/office/drawing/2014/main" id="{F67DC44A-EA62-9310-D0D6-CD83183EEEF1}"/>
+                <a16:creationId xmlns:a16="http://schemas.microsoft.com/office/drawing/2014/main" id="{4B98F13D-175C-7820-064E-3A74D15337CB}"/>
               </a:ext>
             </a:extLst>
           </p:cNvPr>
@@ -2116,7 +2116,7 @@
           <a:bodyPr/>
           <a:lstStyle/>
           <a:p>
-            <a:fld id="{EABA3F10-50DE-400C-BD5B-29BDFCF34F8D}" type="slidenum">
+            <a:fld id="{B09AA534-48D2-4ECD-9156-C905E6AD95D0}" type="slidenum">
               <a:rPr lang="zh-CN" altLang="en-US" smtClean="0"/>
               <a:t>‹#›</a:t>
             </a:fld>
@@ -2127,7 +2127,7 @@
     </p:spTree>
     <p:extLst>
       <p:ext uri="{BB962C8B-B14F-4D97-AF65-F5344CB8AC3E}">
-        <p14:creationId xmlns:p14="http://schemas.microsoft.com/office/powerpoint/2010/main" val="215413069"/>
+        <p14:creationId xmlns:p14="http://schemas.microsoft.com/office/powerpoint/2010/main" val="2176859550"/>
       </p:ext>
     </p:extLst>
   </p:cSld>
@@ -2159,7 +2159,7 @@
           <p:cNvPr id="2" name="标题 1">
             <a:extLst>
               <a:ext uri="{FF2B5EF4-FFF2-40B4-BE49-F238E27FC236}">
-                <a16:creationId xmlns:a16="http://schemas.microsoft.com/office/drawing/2014/main" id="{C4D2F09E-8C32-628E-282F-E85A4E000034}"/>
+                <a16:creationId xmlns:a16="http://schemas.microsoft.com/office/drawing/2014/main" id="{01FFC061-E291-0BBF-A9C2-4C97D78C83C2}"/>
               </a:ext>
             </a:extLst>
           </p:cNvPr>
@@ -2196,7 +2196,7 @@
           <p:cNvPr id="3" name="内容占位符 2">
             <a:extLst>
               <a:ext uri="{FF2B5EF4-FFF2-40B4-BE49-F238E27FC236}">
-                <a16:creationId xmlns:a16="http://schemas.microsoft.com/office/drawing/2014/main" id="{9A1E48A0-D39B-6D0D-645B-5E1698CB6A3C}"/>
+                <a16:creationId xmlns:a16="http://schemas.microsoft.com/office/drawing/2014/main" id="{17B6E09F-41E9-B9CC-4881-130998D8350E}"/>
               </a:ext>
             </a:extLst>
           </p:cNvPr>
@@ -2286,7 +2286,7 @@
           <p:cNvPr id="4" name="文本占位符 3">
             <a:extLst>
               <a:ext uri="{FF2B5EF4-FFF2-40B4-BE49-F238E27FC236}">
-                <a16:creationId xmlns:a16="http://schemas.microsoft.com/office/drawing/2014/main" id="{C7310A00-FD7E-02FC-6473-9C4E01B213CA}"/>
+                <a16:creationId xmlns:a16="http://schemas.microsoft.com/office/drawing/2014/main" id="{53CAD56C-88B5-BD56-ED67-EA0842AFF432}"/>
               </a:ext>
             </a:extLst>
           </p:cNvPr>
@@ -2357,7 +2357,7 @@
           <p:cNvPr id="5" name="日期占位符 4">
             <a:extLst>
               <a:ext uri="{FF2B5EF4-FFF2-40B4-BE49-F238E27FC236}">
-                <a16:creationId xmlns:a16="http://schemas.microsoft.com/office/drawing/2014/main" id="{7B1E11D0-44E2-B1FB-8816-4E8ACFCF97D6}"/>
+                <a16:creationId xmlns:a16="http://schemas.microsoft.com/office/drawing/2014/main" id="{BB0359B8-4E40-B9B9-7ABC-D6A8B8B50188}"/>
               </a:ext>
             </a:extLst>
           </p:cNvPr>
@@ -2373,7 +2373,7 @@
           <a:bodyPr/>
           <a:lstStyle/>
           <a:p>
-            <a:fld id="{AF7664CC-63C1-43E9-8EFC-53EF791C5C8A}" type="datetimeFigureOut">
+            <a:fld id="{C16A1280-6D84-4D15-A8C6-AF3570DB38D3}" type="datetimeFigureOut">
               <a:rPr lang="zh-CN" altLang="en-US" smtClean="0"/>
               <a:t>2024/3/10</a:t>
             </a:fld>
@@ -2386,7 +2386,7 @@
           <p:cNvPr id="6" name="页脚占位符 5">
             <a:extLst>
               <a:ext uri="{FF2B5EF4-FFF2-40B4-BE49-F238E27FC236}">
-                <a16:creationId xmlns:a16="http://schemas.microsoft.com/office/drawing/2014/main" id="{796F4ABD-EB3F-1023-95F9-48E2DD8F60BC}"/>
+                <a16:creationId xmlns:a16="http://schemas.microsoft.com/office/drawing/2014/main" id="{8F524608-4E96-E23A-050F-38CD09E58839}"/>
               </a:ext>
             </a:extLst>
           </p:cNvPr>
@@ -2411,7 +2411,7 @@
           <p:cNvPr id="7" name="灯片编号占位符 6">
             <a:extLst>
               <a:ext uri="{FF2B5EF4-FFF2-40B4-BE49-F238E27FC236}">
-                <a16:creationId xmlns:a16="http://schemas.microsoft.com/office/drawing/2014/main" id="{409D1375-BEFA-DC5A-118D-D6501676D93B}"/>
+                <a16:creationId xmlns:a16="http://schemas.microsoft.com/office/drawing/2014/main" id="{ABB65F31-4548-9CDD-592E-B7AAB25E7B2E}"/>
               </a:ext>
             </a:extLst>
           </p:cNvPr>
@@ -2427,7 +2427,7 @@
           <a:bodyPr/>
           <a:lstStyle/>
           <a:p>
-            <a:fld id="{EABA3F10-50DE-400C-BD5B-29BDFCF34F8D}" type="slidenum">
+            <a:fld id="{B09AA534-48D2-4ECD-9156-C905E6AD95D0}" type="slidenum">
               <a:rPr lang="zh-CN" altLang="en-US" smtClean="0"/>
               <a:t>‹#›</a:t>
             </a:fld>
@@ -2438,7 +2438,7 @@
     </p:spTree>
     <p:extLst>
       <p:ext uri="{BB962C8B-B14F-4D97-AF65-F5344CB8AC3E}">
-        <p14:creationId xmlns:p14="http://schemas.microsoft.com/office/powerpoint/2010/main" val="4270534364"/>
+        <p14:creationId xmlns:p14="http://schemas.microsoft.com/office/powerpoint/2010/main" val="1451359700"/>
       </p:ext>
     </p:extLst>
   </p:cSld>
@@ -2470,7 +2470,7 @@
           <p:cNvPr id="2" name="标题 1">
             <a:extLst>
               <a:ext uri="{FF2B5EF4-FFF2-40B4-BE49-F238E27FC236}">
-                <a16:creationId xmlns:a16="http://schemas.microsoft.com/office/drawing/2014/main" id="{09F8E971-7340-C58F-051A-3D6D8C56177D}"/>
+                <a16:creationId xmlns:a16="http://schemas.microsoft.com/office/drawing/2014/main" id="{88347141-0ECF-FA3B-C126-25D79D93488B}"/>
               </a:ext>
             </a:extLst>
           </p:cNvPr>
@@ -2507,7 +2507,7 @@
           <p:cNvPr id="3" name="图片占位符 2">
             <a:extLst>
               <a:ext uri="{FF2B5EF4-FFF2-40B4-BE49-F238E27FC236}">
-                <a16:creationId xmlns:a16="http://schemas.microsoft.com/office/drawing/2014/main" id="{AD32CA41-63C7-B30A-0C87-0092ACF040F3}"/>
+                <a16:creationId xmlns:a16="http://schemas.microsoft.com/office/drawing/2014/main" id="{FA5909F9-8A7E-3C78-4F79-F3D85ECFE8BD}"/>
               </a:ext>
             </a:extLst>
           </p:cNvPr>
@@ -2574,7 +2574,7 @@
           <p:cNvPr id="4" name="文本占位符 3">
             <a:extLst>
               <a:ext uri="{FF2B5EF4-FFF2-40B4-BE49-F238E27FC236}">
-                <a16:creationId xmlns:a16="http://schemas.microsoft.com/office/drawing/2014/main" id="{AF39C051-F9DE-B086-973A-45754856E8CB}"/>
+                <a16:creationId xmlns:a16="http://schemas.microsoft.com/office/drawing/2014/main" id="{5635F46E-E20B-CE58-577E-4C64A80D07B5}"/>
               </a:ext>
             </a:extLst>
           </p:cNvPr>
@@ -2645,7 +2645,7 @@
           <p:cNvPr id="5" name="日期占位符 4">
             <a:extLst>
               <a:ext uri="{FF2B5EF4-FFF2-40B4-BE49-F238E27FC236}">
-                <a16:creationId xmlns:a16="http://schemas.microsoft.com/office/drawing/2014/main" id="{1682D78D-1A90-DD48-4F55-A6D390684007}"/>
+                <a16:creationId xmlns:a16="http://schemas.microsoft.com/office/drawing/2014/main" id="{FB1B826A-3A95-D061-F453-6135A0EFDF24}"/>
               </a:ext>
             </a:extLst>
           </p:cNvPr>
@@ -2661,7 +2661,7 @@
           <a:bodyPr/>
           <a:lstStyle/>
           <a:p>
-            <a:fld id="{AF7664CC-63C1-43E9-8EFC-53EF791C5C8A}" type="datetimeFigureOut">
+            <a:fld id="{C16A1280-6D84-4D15-A8C6-AF3570DB38D3}" type="datetimeFigureOut">
               <a:rPr lang="zh-CN" altLang="en-US" smtClean="0"/>
               <a:t>2024/3/10</a:t>
             </a:fld>
@@ -2674,7 +2674,7 @@
           <p:cNvPr id="6" name="页脚占位符 5">
             <a:extLst>
               <a:ext uri="{FF2B5EF4-FFF2-40B4-BE49-F238E27FC236}">
-                <a16:creationId xmlns:a16="http://schemas.microsoft.com/office/drawing/2014/main" id="{BE49C410-8BF0-0C53-7D46-568CC58DCC1A}"/>
+                <a16:creationId xmlns:a16="http://schemas.microsoft.com/office/drawing/2014/main" id="{8ABAE26B-7B61-1503-8857-BE95BD6F455E}"/>
               </a:ext>
             </a:extLst>
           </p:cNvPr>
@@ -2699,7 +2699,7 @@
           <p:cNvPr id="7" name="灯片编号占位符 6">
             <a:extLst>
               <a:ext uri="{FF2B5EF4-FFF2-40B4-BE49-F238E27FC236}">
-                <a16:creationId xmlns:a16="http://schemas.microsoft.com/office/drawing/2014/main" id="{849DB2E1-913F-7906-00AA-7AEA06646D8F}"/>
+                <a16:creationId xmlns:a16="http://schemas.microsoft.com/office/drawing/2014/main" id="{C4CD673E-EBAF-78A6-C287-D97CEF0AF598}"/>
               </a:ext>
             </a:extLst>
           </p:cNvPr>
@@ -2715,7 +2715,7 @@
           <a:bodyPr/>
           <a:lstStyle/>
           <a:p>
-            <a:fld id="{EABA3F10-50DE-400C-BD5B-29BDFCF34F8D}" type="slidenum">
+            <a:fld id="{B09AA534-48D2-4ECD-9156-C905E6AD95D0}" type="slidenum">
               <a:rPr lang="zh-CN" altLang="en-US" smtClean="0"/>
               <a:t>‹#›</a:t>
             </a:fld>
@@ -2726,7 +2726,7 @@
     </p:spTree>
     <p:extLst>
       <p:ext uri="{BB962C8B-B14F-4D97-AF65-F5344CB8AC3E}">
-        <p14:creationId xmlns:p14="http://schemas.microsoft.com/office/powerpoint/2010/main" val="3823356849"/>
+        <p14:creationId xmlns:p14="http://schemas.microsoft.com/office/powerpoint/2010/main" val="24620694"/>
       </p:ext>
     </p:extLst>
   </p:cSld>
@@ -2763,7 +2763,7 @@
           <p:cNvPr id="2" name="标题占位符 1">
             <a:extLst>
               <a:ext uri="{FF2B5EF4-FFF2-40B4-BE49-F238E27FC236}">
-                <a16:creationId xmlns:a16="http://schemas.microsoft.com/office/drawing/2014/main" id="{311594F8-8CED-F014-9DCA-735874672753}"/>
+                <a16:creationId xmlns:a16="http://schemas.microsoft.com/office/drawing/2014/main" id="{AB5E3356-4446-EE72-7AB1-90074F229518}"/>
               </a:ext>
             </a:extLst>
           </p:cNvPr>
@@ -2801,7 +2801,7 @@
           <p:cNvPr id="3" name="文本占位符 2">
             <a:extLst>
               <a:ext uri="{FF2B5EF4-FFF2-40B4-BE49-F238E27FC236}">
-                <a16:creationId xmlns:a16="http://schemas.microsoft.com/office/drawing/2014/main" id="{F707E3EB-3436-237B-3164-76B30183391B}"/>
+                <a16:creationId xmlns:a16="http://schemas.microsoft.com/office/drawing/2014/main" id="{DFB20C7D-3596-7B01-8D97-3C0BA827508E}"/>
               </a:ext>
             </a:extLst>
           </p:cNvPr>
@@ -2868,7 +2868,7 @@
           <p:cNvPr id="4" name="日期占位符 3">
             <a:extLst>
               <a:ext uri="{FF2B5EF4-FFF2-40B4-BE49-F238E27FC236}">
-                <a16:creationId xmlns:a16="http://schemas.microsoft.com/office/drawing/2014/main" id="{9715364C-3BA0-DCBA-0C16-5033D1DA4DF3}"/>
+                <a16:creationId xmlns:a16="http://schemas.microsoft.com/office/drawing/2014/main" id="{B9E60210-3D3A-56E1-CD1F-896E32BABA80}"/>
               </a:ext>
             </a:extLst>
           </p:cNvPr>
@@ -2902,7 +2902,7 @@
             </a:lvl1pPr>
           </a:lstStyle>
           <a:p>
-            <a:fld id="{AF7664CC-63C1-43E9-8EFC-53EF791C5C8A}" type="datetimeFigureOut">
+            <a:fld id="{C16A1280-6D84-4D15-A8C6-AF3570DB38D3}" type="datetimeFigureOut">
               <a:rPr lang="zh-CN" altLang="en-US" smtClean="0"/>
               <a:t>2024/3/10</a:t>
             </a:fld>
@@ -2915,7 +2915,7 @@
           <p:cNvPr id="5" name="页脚占位符 4">
             <a:extLst>
               <a:ext uri="{FF2B5EF4-FFF2-40B4-BE49-F238E27FC236}">
-                <a16:creationId xmlns:a16="http://schemas.microsoft.com/office/drawing/2014/main" id="{9B08425D-5529-83F6-9099-11067C203DD9}"/>
+                <a16:creationId xmlns:a16="http://schemas.microsoft.com/office/drawing/2014/main" id="{B7C1F479-1CC7-9AFE-A20D-5B51D58B6102}"/>
               </a:ext>
             </a:extLst>
           </p:cNvPr>
@@ -2958,7 +2958,7 @@
           <p:cNvPr id="6" name="灯片编号占位符 5">
             <a:extLst>
               <a:ext uri="{FF2B5EF4-FFF2-40B4-BE49-F238E27FC236}">
-                <a16:creationId xmlns:a16="http://schemas.microsoft.com/office/drawing/2014/main" id="{43527B20-9E65-8A3C-09A7-13DD61629974}"/>
+                <a16:creationId xmlns:a16="http://schemas.microsoft.com/office/drawing/2014/main" id="{861C5C38-D433-31C6-29D4-64C2CBE8B282}"/>
               </a:ext>
             </a:extLst>
           </p:cNvPr>
@@ -2992,7 +2992,7 @@
             </a:lvl1pPr>
           </a:lstStyle>
           <a:p>
-            <a:fld id="{EABA3F10-50DE-400C-BD5B-29BDFCF34F8D}" type="slidenum">
+            <a:fld id="{B09AA534-48D2-4ECD-9156-C905E6AD95D0}" type="slidenum">
               <a:rPr lang="zh-CN" altLang="en-US" smtClean="0"/>
               <a:t>‹#›</a:t>
             </a:fld>
@@ -3003,7 +3003,7 @@
     </p:spTree>
     <p:extLst>
       <p:ext uri="{BB962C8B-B14F-4D97-AF65-F5344CB8AC3E}">
-        <p14:creationId xmlns:p14="http://schemas.microsoft.com/office/powerpoint/2010/main" val="2307601862"/>
+        <p14:creationId xmlns:p14="http://schemas.microsoft.com/office/powerpoint/2010/main" val="2674059514"/>
       </p:ext>
     </p:extLst>
   </p:cSld>
@@ -3323,7 +3323,7 @@
       </p:grpSpPr>
       <p:pic>
         <p:nvPicPr>
-          <p:cNvPr id="982018" name="Picture 2" descr="958"/>
+          <p:cNvPr id="983042" name="Picture 2" descr="959"/>
           <p:cNvPicPr>
             <a:picLocks noChangeAspect="1" noChangeArrowheads="1"/>
           </p:cNvPicPr>
